--- a/content/week2/network2_v3.pptx
+++ b/content/week2/network2_v3.pptx
@@ -226,6 +226,9 @@
         </p15:guide>
       </p15:sldGuideLst>
     </p:ext>
+    <p:ext uri="{2D200454-40CA-4A62-9FC3-DE9A4176ACB9}">
+      <p15:notesGuideLst xmlns:p15="http://schemas.microsoft.com/office/powerpoint/2012/main"/>
+    </p:ext>
   </p:extLst>
 </p:presentation>
 </file>
@@ -512,7 +515,7 @@
             <a:fld id="{D02D0F6B-3344-4585-9FDD-B8E4F3DCA64D}" type="datetimeFigureOut">
               <a:rPr lang="en-US" altLang="en-US"/>
               <a:pPr/>
-              <a:t>7/9/2019</a:t>
+              <a:t>2/4/21</a:t>
             </a:fld>
             <a:endParaRPr lang="en-US" altLang="en-US"/>
           </a:p>
@@ -8926,7 +8929,7 @@
           <a:p>
             <a:fld id="{832F27AC-3E3A-441D-B83F-C8F14E0964A5}" type="datetime1">
               <a:rPr lang="en-US" altLang="en-US" smtClean="0"/>
-              <a:t>7/9/2019</a:t>
+              <a:t>2/4/21</a:t>
             </a:fld>
             <a:endParaRPr lang="en-US" altLang="en-US"/>
           </a:p>
@@ -9113,7 +9116,7 @@
           <a:p>
             <a:fld id="{562DA4CF-5FEC-4B33-BCFE-6231F569805A}" type="datetime1">
               <a:rPr lang="en-US" altLang="en-US" smtClean="0"/>
-              <a:t>7/9/2019</a:t>
+              <a:t>2/4/21</a:t>
             </a:fld>
             <a:endParaRPr lang="en-US" altLang="en-US"/>
           </a:p>
@@ -9310,7 +9313,7 @@
           <a:p>
             <a:fld id="{16BAB044-FA90-4F4F-B267-14BC527DE275}" type="datetime1">
               <a:rPr lang="en-US" altLang="en-US" smtClean="0"/>
-              <a:t>7/9/2019</a:t>
+              <a:t>2/4/21</a:t>
             </a:fld>
             <a:endParaRPr lang="en-US" altLang="en-US"/>
           </a:p>
@@ -9476,7 +9479,7 @@
           <a:p>
             <a:fld id="{9591482C-7BCD-4B6B-BA1C-65D76A4A0421}" type="datetime1">
               <a:rPr lang="en-US" altLang="en-US" smtClean="0"/>
-              <a:t>7/9/2019</a:t>
+              <a:t>2/4/21</a:t>
             </a:fld>
             <a:endParaRPr lang="en-US" altLang="en-US"/>
           </a:p>
@@ -9663,7 +9666,7 @@
           <a:p>
             <a:fld id="{CAB97CCB-D2A6-4D03-94C9-2FE26418E969}" type="datetime1">
               <a:rPr lang="en-US" altLang="en-US" smtClean="0"/>
-              <a:t>7/9/2019</a:t>
+              <a:t>2/4/21</a:t>
             </a:fld>
             <a:endParaRPr lang="en-US" altLang="en-US"/>
           </a:p>
@@ -9873,7 +9876,7 @@
           <a:p>
             <a:fld id="{F49B907A-11C5-4787-8BF6-C0F370FE4AE5}" type="datetime1">
               <a:rPr lang="en-US" altLang="en-US" smtClean="0"/>
-              <a:t>7/9/2019</a:t>
+              <a:t>2/4/21</a:t>
             </a:fld>
             <a:endParaRPr lang="en-US" altLang="en-US"/>
           </a:p>
@@ -10177,7 +10180,7 @@
           <a:p>
             <a:fld id="{91958D41-E043-47DE-8D0A-08435E9078F7}" type="datetime1">
               <a:rPr lang="en-US" altLang="en-US" smtClean="0"/>
-              <a:t>7/9/2019</a:t>
+              <a:t>2/4/21</a:t>
             </a:fld>
             <a:endParaRPr lang="en-US" altLang="en-US"/>
           </a:p>
@@ -10620,7 +10623,7 @@
           <a:p>
             <a:fld id="{5C53EE71-725C-4727-9DE1-2ABD05FA5E08}" type="datetime1">
               <a:rPr lang="en-US" altLang="en-US" smtClean="0"/>
-              <a:t>7/9/2019</a:t>
+              <a:t>2/4/21</a:t>
             </a:fld>
             <a:endParaRPr lang="en-US" altLang="en-US"/>
           </a:p>
@@ -10756,7 +10759,7 @@
           <a:p>
             <a:fld id="{25042DC0-2BDA-4837-8231-CE13FF414A0D}" type="datetime1">
               <a:rPr lang="en-US" altLang="en-US" smtClean="0"/>
-              <a:t>7/9/2019</a:t>
+              <a:t>2/4/21</a:t>
             </a:fld>
             <a:endParaRPr lang="en-US" altLang="en-US"/>
           </a:p>
@@ -10870,7 +10873,7 @@
           <a:p>
             <a:fld id="{FCBB3BEA-9FBC-4E1C-9A6A-ED6857365F5E}" type="datetime1">
               <a:rPr lang="en-US" altLang="en-US" smtClean="0"/>
-              <a:t>7/9/2019</a:t>
+              <a:t>2/4/21</a:t>
             </a:fld>
             <a:endParaRPr lang="en-US" altLang="en-US"/>
           </a:p>
@@ -11164,7 +11167,7 @@
           <a:p>
             <a:fld id="{3EFF04CE-1F46-4218-B821-ABABD4F01113}" type="datetime1">
               <a:rPr lang="en-US" altLang="en-US" smtClean="0"/>
-              <a:t>7/9/2019</a:t>
+              <a:t>2/4/21</a:t>
             </a:fld>
             <a:endParaRPr lang="en-US" altLang="en-US"/>
           </a:p>
@@ -11436,7 +11439,7 @@
           <a:p>
             <a:fld id="{EFAC559F-11D3-4A30-A063-C06ED7FC70B8}" type="datetime1">
               <a:rPr lang="en-US" altLang="en-US" smtClean="0"/>
-              <a:t>7/9/2019</a:t>
+              <a:t>2/4/21</a:t>
             </a:fld>
             <a:endParaRPr lang="en-US" altLang="en-US"/>
           </a:p>
@@ -12083,7 +12086,7 @@
           <a:p>
             <a:fld id="{5ADECC30-F093-43FF-9DE6-8E8A5FA85C00}" type="datetime1">
               <a:rPr lang="en-US" altLang="en-US" smtClean="0"/>
-              <a:t>7/9/2019</a:t>
+              <a:t>2/4/21</a:t>
             </a:fld>
             <a:endParaRPr lang="en-US" altLang="en-US"/>
           </a:p>
@@ -19160,7 +19163,7 @@
         </p:blipFill>
         <p:spPr bwMode="auto">
           <a:xfrm>
-            <a:off x="5867400" y="1371600"/>
+            <a:off x="5867400" y="1462087"/>
             <a:ext cx="3012783" cy="2652713"/>
           </a:xfrm>
           <a:prstGeom prst="rect">
@@ -27892,7 +27895,7 @@
         </p:blipFill>
         <p:spPr bwMode="auto">
           <a:xfrm>
-            <a:off x="431800" y="1295400"/>
+            <a:off x="381000" y="1295400"/>
             <a:ext cx="4492625" cy="4876800"/>
           </a:xfrm>
           <a:prstGeom prst="rect">
